--- a/powerpoints_and_videos/phase2a_scan_results/phase_2a_alpha_y_scan_results.pptx
+++ b/powerpoints_and_videos/phase2a_scan_results/phase_2a_alpha_y_scan_results.pptx
@@ -2,20 +2,24 @@
 <file path=ppt/presentation.xml><?xml version="1.0" encoding="utf-8"?>
 <p:presentation xmlns:a="http://schemas.openxmlformats.org/drawingml/2006/main" xmlns:r="http://schemas.openxmlformats.org/officeDocument/2006/relationships" xmlns:p="http://schemas.openxmlformats.org/presentationml/2006/main" saveSubsetFonts="1" autoCompressPictures="0">
   <p:sldMasterIdLst>
-    <p:sldMasterId id="2147483660" r:id="rId1"/>
+    <p:sldMasterId id="2147483672" r:id="rId1"/>
   </p:sldMasterIdLst>
   <p:sldIdLst>
-    <p:sldId id="259" r:id="rId2"/>
-    <p:sldId id="260" r:id="rId3"/>
-    <p:sldId id="261" r:id="rId4"/>
-    <p:sldId id="262" r:id="rId5"/>
-    <p:sldId id="263" r:id="rId6"/>
-    <p:sldId id="264" r:id="rId7"/>
-    <p:sldId id="265" r:id="rId8"/>
-    <p:sldId id="266" r:id="rId9"/>
-    <p:sldId id="267" r:id="rId10"/>
+    <p:sldId id="256" r:id="rId2"/>
+    <p:sldId id="257" r:id="rId3"/>
+    <p:sldId id="258" r:id="rId4"/>
+    <p:sldId id="259" r:id="rId5"/>
+    <p:sldId id="260" r:id="rId6"/>
+    <p:sldId id="261" r:id="rId7"/>
+    <p:sldId id="262" r:id="rId8"/>
+    <p:sldId id="263" r:id="rId9"/>
+    <p:sldId id="264" r:id="rId10"/>
+    <p:sldId id="265" r:id="rId11"/>
+    <p:sldId id="266" r:id="rId12"/>
+    <p:sldId id="267" r:id="rId13"/>
+    <p:sldId id="268" r:id="rId14"/>
   </p:sldIdLst>
-  <p:sldSz cx="10972800" cy="18288000"/>
+  <p:sldSz cx="10972800" cy="16459200"/>
   <p:notesSz cx="6858000" cy="9144000"/>
   <p:defaultTextStyle>
     <a:defPPr>
@@ -115,7 +119,7 @@
   <p:extLst>
     <p:ext uri="{EFAFB233-063F-42B5-8137-9DF3F51BA10A}">
       <p15:sldGuideLst xmlns:p15="http://schemas.microsoft.com/office/powerpoint/2012/main">
-        <p15:guide id="1" orient="horz" pos="5760" userDrawn="1">
+        <p15:guide id="1" orient="horz" pos="5184" userDrawn="1">
           <p15:clr>
             <a:srgbClr val="A4A3A4"/>
           </p15:clr>
@@ -160,8 +164,8 @@
         </p:nvSpPr>
         <p:spPr>
           <a:xfrm>
-            <a:off x="822960" y="2992968"/>
-            <a:ext cx="9326880" cy="6366933"/>
+            <a:off x="822960" y="2693671"/>
+            <a:ext cx="9326880" cy="5730240"/>
           </a:xfrm>
         </p:spPr>
         <p:txBody>
@@ -192,8 +196,8 @@
         </p:nvSpPr>
         <p:spPr>
           <a:xfrm>
-            <a:off x="1371600" y="9605435"/>
-            <a:ext cx="8229600" cy="4415365"/>
+            <a:off x="1371600" y="8644891"/>
+            <a:ext cx="8229600" cy="3973829"/>
           </a:xfrm>
         </p:spPr>
         <p:txBody>
@@ -262,7 +266,7 @@
           <a:p>
             <a:fld id="{BC23EB03-8D51-F84B-8A89-B0A0A1638103}" type="datetimeFigureOut">
               <a:rPr lang="en-US" smtClean="0"/>
-              <a:t>5/6/25</a:t>
+              <a:t>5/8/25</a:t>
             </a:fld>
             <a:endParaRPr lang="en-US"/>
           </a:p>
@@ -313,7 +317,7 @@
     </p:spTree>
     <p:extLst>
       <p:ext uri="{BB962C8B-B14F-4D97-AF65-F5344CB8AC3E}">
-        <p14:creationId xmlns:p14="http://schemas.microsoft.com/office/powerpoint/2010/main" val="3834503187"/>
+        <p14:creationId xmlns:p14="http://schemas.microsoft.com/office/powerpoint/2010/main" val="2255492476"/>
       </p:ext>
     </p:extLst>
   </p:cSld>
@@ -432,7 +436,7 @@
           <a:p>
             <a:fld id="{BC23EB03-8D51-F84B-8A89-B0A0A1638103}" type="datetimeFigureOut">
               <a:rPr lang="en-US" smtClean="0"/>
-              <a:t>5/6/25</a:t>
+              <a:t>5/8/25</a:t>
             </a:fld>
             <a:endParaRPr lang="en-US"/>
           </a:p>
@@ -483,7 +487,7 @@
     </p:spTree>
     <p:extLst>
       <p:ext uri="{BB962C8B-B14F-4D97-AF65-F5344CB8AC3E}">
-        <p14:creationId xmlns:p14="http://schemas.microsoft.com/office/powerpoint/2010/main" val="291493713"/>
+        <p14:creationId xmlns:p14="http://schemas.microsoft.com/office/powerpoint/2010/main" val="1313798775"/>
       </p:ext>
     </p:extLst>
   </p:cSld>
@@ -522,8 +526,8 @@
         </p:nvSpPr>
         <p:spPr>
           <a:xfrm>
-            <a:off x="7852411" y="973666"/>
-            <a:ext cx="2366010" cy="15498235"/>
+            <a:off x="7852411" y="876300"/>
+            <a:ext cx="2366010" cy="13948411"/>
           </a:xfrm>
         </p:spPr>
         <p:txBody>
@@ -550,8 +554,8 @@
         </p:nvSpPr>
         <p:spPr>
           <a:xfrm>
-            <a:off x="754381" y="973666"/>
-            <a:ext cx="6960870" cy="15498235"/>
+            <a:off x="754381" y="876300"/>
+            <a:ext cx="6960870" cy="13948411"/>
           </a:xfrm>
         </p:spPr>
         <p:txBody>
@@ -612,7 +616,7 @@
           <a:p>
             <a:fld id="{BC23EB03-8D51-F84B-8A89-B0A0A1638103}" type="datetimeFigureOut">
               <a:rPr lang="en-US" smtClean="0"/>
-              <a:t>5/6/25</a:t>
+              <a:t>5/8/25</a:t>
             </a:fld>
             <a:endParaRPr lang="en-US"/>
           </a:p>
@@ -663,7 +667,7 @@
     </p:spTree>
     <p:extLst>
       <p:ext uri="{BB962C8B-B14F-4D97-AF65-F5344CB8AC3E}">
-        <p14:creationId xmlns:p14="http://schemas.microsoft.com/office/powerpoint/2010/main" val="3895729310"/>
+        <p14:creationId xmlns:p14="http://schemas.microsoft.com/office/powerpoint/2010/main" val="450346516"/>
       </p:ext>
     </p:extLst>
   </p:cSld>
@@ -782,7 +786,7 @@
           <a:p>
             <a:fld id="{BC23EB03-8D51-F84B-8A89-B0A0A1638103}" type="datetimeFigureOut">
               <a:rPr lang="en-US" smtClean="0"/>
-              <a:t>5/6/25</a:t>
+              <a:t>5/8/25</a:t>
             </a:fld>
             <a:endParaRPr lang="en-US"/>
           </a:p>
@@ -833,7 +837,7 @@
     </p:spTree>
     <p:extLst>
       <p:ext uri="{BB962C8B-B14F-4D97-AF65-F5344CB8AC3E}">
-        <p14:creationId xmlns:p14="http://schemas.microsoft.com/office/powerpoint/2010/main" val="3115761962"/>
+        <p14:creationId xmlns:p14="http://schemas.microsoft.com/office/powerpoint/2010/main" val="450034512"/>
       </p:ext>
     </p:extLst>
   </p:cSld>
@@ -872,8 +876,8 @@
         </p:nvSpPr>
         <p:spPr>
           <a:xfrm>
-            <a:off x="748666" y="4559305"/>
-            <a:ext cx="9464040" cy="7607299"/>
+            <a:off x="748666" y="4103375"/>
+            <a:ext cx="9464040" cy="6846569"/>
           </a:xfrm>
         </p:spPr>
         <p:txBody>
@@ -904,8 +908,8 @@
         </p:nvSpPr>
         <p:spPr>
           <a:xfrm>
-            <a:off x="748666" y="12238572"/>
-            <a:ext cx="9464040" cy="4000499"/>
+            <a:off x="748666" y="11014715"/>
+            <a:ext cx="9464040" cy="3600449"/>
           </a:xfrm>
         </p:spPr>
         <p:txBody>
@@ -1028,7 +1032,7 @@
           <a:p>
             <a:fld id="{BC23EB03-8D51-F84B-8A89-B0A0A1638103}" type="datetimeFigureOut">
               <a:rPr lang="en-US" smtClean="0"/>
-              <a:t>5/6/25</a:t>
+              <a:t>5/8/25</a:t>
             </a:fld>
             <a:endParaRPr lang="en-US"/>
           </a:p>
@@ -1079,7 +1083,7 @@
     </p:spTree>
     <p:extLst>
       <p:ext uri="{BB962C8B-B14F-4D97-AF65-F5344CB8AC3E}">
-        <p14:creationId xmlns:p14="http://schemas.microsoft.com/office/powerpoint/2010/main" val="1333772397"/>
+        <p14:creationId xmlns:p14="http://schemas.microsoft.com/office/powerpoint/2010/main" val="831133751"/>
       </p:ext>
     </p:extLst>
   </p:cSld>
@@ -1141,8 +1145,8 @@
         </p:nvSpPr>
         <p:spPr>
           <a:xfrm>
-            <a:off x="754380" y="4868333"/>
-            <a:ext cx="4663440" cy="11603568"/>
+            <a:off x="754380" y="4381500"/>
+            <a:ext cx="4663440" cy="10443211"/>
           </a:xfrm>
         </p:spPr>
         <p:txBody>
@@ -1198,8 +1202,8 @@
         </p:nvSpPr>
         <p:spPr>
           <a:xfrm>
-            <a:off x="5554980" y="4868333"/>
-            <a:ext cx="4663440" cy="11603568"/>
+            <a:off x="5554980" y="4381500"/>
+            <a:ext cx="4663440" cy="10443211"/>
           </a:xfrm>
         </p:spPr>
         <p:txBody>
@@ -1260,7 +1264,7 @@
           <a:p>
             <a:fld id="{BC23EB03-8D51-F84B-8A89-B0A0A1638103}" type="datetimeFigureOut">
               <a:rPr lang="en-US" smtClean="0"/>
-              <a:t>5/6/25</a:t>
+              <a:t>5/8/25</a:t>
             </a:fld>
             <a:endParaRPr lang="en-US"/>
           </a:p>
@@ -1311,7 +1315,7 @@
     </p:spTree>
     <p:extLst>
       <p:ext uri="{BB962C8B-B14F-4D97-AF65-F5344CB8AC3E}">
-        <p14:creationId xmlns:p14="http://schemas.microsoft.com/office/powerpoint/2010/main" val="858232927"/>
+        <p14:creationId xmlns:p14="http://schemas.microsoft.com/office/powerpoint/2010/main" val="136943578"/>
       </p:ext>
     </p:extLst>
   </p:cSld>
@@ -1350,8 +1354,8 @@
         </p:nvSpPr>
         <p:spPr>
           <a:xfrm>
-            <a:off x="755809" y="973670"/>
-            <a:ext cx="9464040" cy="3534835"/>
+            <a:off x="755809" y="876304"/>
+            <a:ext cx="9464040" cy="3181351"/>
           </a:xfrm>
         </p:spPr>
         <p:txBody>
@@ -1378,8 +1382,8 @@
         </p:nvSpPr>
         <p:spPr>
           <a:xfrm>
-            <a:off x="755810" y="4483101"/>
-            <a:ext cx="4642008" cy="2197099"/>
+            <a:off x="755810" y="4034791"/>
+            <a:ext cx="4642008" cy="1977389"/>
           </a:xfrm>
         </p:spPr>
         <p:txBody>
@@ -1443,8 +1447,8 @@
         </p:nvSpPr>
         <p:spPr>
           <a:xfrm>
-            <a:off x="755810" y="6680200"/>
-            <a:ext cx="4642008" cy="9825568"/>
+            <a:off x="755810" y="6012180"/>
+            <a:ext cx="4642008" cy="8843011"/>
           </a:xfrm>
         </p:spPr>
         <p:txBody>
@@ -1500,8 +1504,8 @@
         </p:nvSpPr>
         <p:spPr>
           <a:xfrm>
-            <a:off x="5554981" y="4483101"/>
-            <a:ext cx="4664869" cy="2197099"/>
+            <a:off x="5554981" y="4034791"/>
+            <a:ext cx="4664869" cy="1977389"/>
           </a:xfrm>
         </p:spPr>
         <p:txBody>
@@ -1565,8 +1569,8 @@
         </p:nvSpPr>
         <p:spPr>
           <a:xfrm>
-            <a:off x="5554981" y="6680200"/>
-            <a:ext cx="4664869" cy="9825568"/>
+            <a:off x="5554981" y="6012180"/>
+            <a:ext cx="4664869" cy="8843011"/>
           </a:xfrm>
         </p:spPr>
         <p:txBody>
@@ -1627,7 +1631,7 @@
           <a:p>
             <a:fld id="{BC23EB03-8D51-F84B-8A89-B0A0A1638103}" type="datetimeFigureOut">
               <a:rPr lang="en-US" smtClean="0"/>
-              <a:t>5/6/25</a:t>
+              <a:t>5/8/25</a:t>
             </a:fld>
             <a:endParaRPr lang="en-US"/>
           </a:p>
@@ -1678,7 +1682,7 @@
     </p:spTree>
     <p:extLst>
       <p:ext uri="{BB962C8B-B14F-4D97-AF65-F5344CB8AC3E}">
-        <p14:creationId xmlns:p14="http://schemas.microsoft.com/office/powerpoint/2010/main" val="3675103349"/>
+        <p14:creationId xmlns:p14="http://schemas.microsoft.com/office/powerpoint/2010/main" val="2077626373"/>
       </p:ext>
     </p:extLst>
   </p:cSld>
@@ -1745,7 +1749,7 @@
           <a:p>
             <a:fld id="{BC23EB03-8D51-F84B-8A89-B0A0A1638103}" type="datetimeFigureOut">
               <a:rPr lang="en-US" smtClean="0"/>
-              <a:t>5/6/25</a:t>
+              <a:t>5/8/25</a:t>
             </a:fld>
             <a:endParaRPr lang="en-US"/>
           </a:p>
@@ -1796,7 +1800,7 @@
     </p:spTree>
     <p:extLst>
       <p:ext uri="{BB962C8B-B14F-4D97-AF65-F5344CB8AC3E}">
-        <p14:creationId xmlns:p14="http://schemas.microsoft.com/office/powerpoint/2010/main" val="2172066488"/>
+        <p14:creationId xmlns:p14="http://schemas.microsoft.com/office/powerpoint/2010/main" val="183272128"/>
       </p:ext>
     </p:extLst>
   </p:cSld>
@@ -1840,7 +1844,7 @@
           <a:p>
             <a:fld id="{BC23EB03-8D51-F84B-8A89-B0A0A1638103}" type="datetimeFigureOut">
               <a:rPr lang="en-US" smtClean="0"/>
-              <a:t>5/6/25</a:t>
+              <a:t>5/8/25</a:t>
             </a:fld>
             <a:endParaRPr lang="en-US"/>
           </a:p>
@@ -1891,7 +1895,7 @@
     </p:spTree>
     <p:extLst>
       <p:ext uri="{BB962C8B-B14F-4D97-AF65-F5344CB8AC3E}">
-        <p14:creationId xmlns:p14="http://schemas.microsoft.com/office/powerpoint/2010/main" val="4176490264"/>
+        <p14:creationId xmlns:p14="http://schemas.microsoft.com/office/powerpoint/2010/main" val="2493757064"/>
       </p:ext>
     </p:extLst>
   </p:cSld>
@@ -1930,8 +1934,8 @@
         </p:nvSpPr>
         <p:spPr>
           <a:xfrm>
-            <a:off x="755809" y="1219200"/>
-            <a:ext cx="3539014" cy="4267200"/>
+            <a:off x="755809" y="1097280"/>
+            <a:ext cx="3539014" cy="3840480"/>
           </a:xfrm>
         </p:spPr>
         <p:txBody>
@@ -1962,8 +1966,8 @@
         </p:nvSpPr>
         <p:spPr>
           <a:xfrm>
-            <a:off x="4664869" y="2633137"/>
-            <a:ext cx="5554980" cy="12996333"/>
+            <a:off x="4664869" y="2369824"/>
+            <a:ext cx="5554980" cy="11696700"/>
           </a:xfrm>
         </p:spPr>
         <p:txBody>
@@ -2047,8 +2051,8 @@
         </p:nvSpPr>
         <p:spPr>
           <a:xfrm>
-            <a:off x="755809" y="5486400"/>
-            <a:ext cx="3539014" cy="10164235"/>
+            <a:off x="755809" y="4937760"/>
+            <a:ext cx="3539014" cy="9147811"/>
           </a:xfrm>
         </p:spPr>
         <p:txBody>
@@ -2117,7 +2121,7 @@
           <a:p>
             <a:fld id="{BC23EB03-8D51-F84B-8A89-B0A0A1638103}" type="datetimeFigureOut">
               <a:rPr lang="en-US" smtClean="0"/>
-              <a:t>5/6/25</a:t>
+              <a:t>5/8/25</a:t>
             </a:fld>
             <a:endParaRPr lang="en-US"/>
           </a:p>
@@ -2168,7 +2172,7 @@
     </p:spTree>
     <p:extLst>
       <p:ext uri="{BB962C8B-B14F-4D97-AF65-F5344CB8AC3E}">
-        <p14:creationId xmlns:p14="http://schemas.microsoft.com/office/powerpoint/2010/main" val="1303326736"/>
+        <p14:creationId xmlns:p14="http://schemas.microsoft.com/office/powerpoint/2010/main" val="2679299923"/>
       </p:ext>
     </p:extLst>
   </p:cSld>
@@ -2207,8 +2211,8 @@
         </p:nvSpPr>
         <p:spPr>
           <a:xfrm>
-            <a:off x="755809" y="1219200"/>
-            <a:ext cx="3539014" cy="4267200"/>
+            <a:off x="755809" y="1097280"/>
+            <a:ext cx="3539014" cy="3840480"/>
           </a:xfrm>
         </p:spPr>
         <p:txBody>
@@ -2239,8 +2243,8 @@
         </p:nvSpPr>
         <p:spPr>
           <a:xfrm>
-            <a:off x="4664869" y="2633137"/>
-            <a:ext cx="5554980" cy="12996333"/>
+            <a:off x="4664869" y="2369824"/>
+            <a:ext cx="5554980" cy="11696700"/>
           </a:xfrm>
         </p:spPr>
         <p:txBody>
@@ -2304,8 +2308,8 @@
         </p:nvSpPr>
         <p:spPr>
           <a:xfrm>
-            <a:off x="755809" y="5486400"/>
-            <a:ext cx="3539014" cy="10164235"/>
+            <a:off x="755809" y="4937760"/>
+            <a:ext cx="3539014" cy="9147811"/>
           </a:xfrm>
         </p:spPr>
         <p:txBody>
@@ -2374,7 +2378,7 @@
           <a:p>
             <a:fld id="{BC23EB03-8D51-F84B-8A89-B0A0A1638103}" type="datetimeFigureOut">
               <a:rPr lang="en-US" smtClean="0"/>
-              <a:t>5/6/25</a:t>
+              <a:t>5/8/25</a:t>
             </a:fld>
             <a:endParaRPr lang="en-US"/>
           </a:p>
@@ -2425,7 +2429,7 @@
     </p:spTree>
     <p:extLst>
       <p:ext uri="{BB962C8B-B14F-4D97-AF65-F5344CB8AC3E}">
-        <p14:creationId xmlns:p14="http://schemas.microsoft.com/office/powerpoint/2010/main" val="2331552229"/>
+        <p14:creationId xmlns:p14="http://schemas.microsoft.com/office/powerpoint/2010/main" val="3729926871"/>
       </p:ext>
     </p:extLst>
   </p:cSld>
@@ -2469,8 +2473,8 @@
         </p:nvSpPr>
         <p:spPr>
           <a:xfrm>
-            <a:off x="754380" y="973670"/>
-            <a:ext cx="9464040" cy="3534835"/>
+            <a:off x="754380" y="876304"/>
+            <a:ext cx="9464040" cy="3181351"/>
           </a:xfrm>
           <a:prstGeom prst="rect">
             <a:avLst/>
@@ -2502,8 +2506,8 @@
         </p:nvSpPr>
         <p:spPr>
           <a:xfrm>
-            <a:off x="754380" y="4868333"/>
-            <a:ext cx="9464040" cy="11603568"/>
+            <a:off x="754380" y="4381500"/>
+            <a:ext cx="9464040" cy="10443211"/>
           </a:xfrm>
           <a:prstGeom prst="rect">
             <a:avLst/>
@@ -2564,8 +2568,8 @@
         </p:nvSpPr>
         <p:spPr>
           <a:xfrm>
-            <a:off x="754380" y="16950271"/>
-            <a:ext cx="2468880" cy="973667"/>
+            <a:off x="754380" y="15255244"/>
+            <a:ext cx="2468880" cy="876300"/>
           </a:xfrm>
           <a:prstGeom prst="rect">
             <a:avLst/>
@@ -2587,7 +2591,7 @@
           <a:p>
             <a:fld id="{BC23EB03-8D51-F84B-8A89-B0A0A1638103}" type="datetimeFigureOut">
               <a:rPr lang="en-US" smtClean="0"/>
-              <a:t>5/6/25</a:t>
+              <a:t>5/8/25</a:t>
             </a:fld>
             <a:endParaRPr lang="en-US"/>
           </a:p>
@@ -2605,8 +2609,8 @@
         </p:nvSpPr>
         <p:spPr>
           <a:xfrm>
-            <a:off x="3634740" y="16950271"/>
-            <a:ext cx="3703320" cy="973667"/>
+            <a:off x="3634740" y="15255244"/>
+            <a:ext cx="3703320" cy="876300"/>
           </a:xfrm>
           <a:prstGeom prst="rect">
             <a:avLst/>
@@ -2642,8 +2646,8 @@
         </p:nvSpPr>
         <p:spPr>
           <a:xfrm>
-            <a:off x="7749540" y="16950271"/>
-            <a:ext cx="2468880" cy="973667"/>
+            <a:off x="7749540" y="15255244"/>
+            <a:ext cx="2468880" cy="876300"/>
           </a:xfrm>
           <a:prstGeom prst="rect">
             <a:avLst/>
@@ -2674,23 +2678,23 @@
     </p:spTree>
     <p:extLst>
       <p:ext uri="{BB962C8B-B14F-4D97-AF65-F5344CB8AC3E}">
-        <p14:creationId xmlns:p14="http://schemas.microsoft.com/office/powerpoint/2010/main" val="2177739259"/>
+        <p14:creationId xmlns:p14="http://schemas.microsoft.com/office/powerpoint/2010/main" val="88601965"/>
       </p:ext>
     </p:extLst>
   </p:cSld>
   <p:clrMap bg1="lt1" tx1="dk1" bg2="lt2" tx2="dk2" accent1="accent1" accent2="accent2" accent3="accent3" accent4="accent4" accent5="accent5" accent6="accent6" hlink="hlink" folHlink="folHlink"/>
   <p:sldLayoutIdLst>
-    <p:sldLayoutId id="2147483661" r:id="rId1"/>
-    <p:sldLayoutId id="2147483662" r:id="rId2"/>
-    <p:sldLayoutId id="2147483663" r:id="rId3"/>
-    <p:sldLayoutId id="2147483664" r:id="rId4"/>
-    <p:sldLayoutId id="2147483665" r:id="rId5"/>
-    <p:sldLayoutId id="2147483666" r:id="rId6"/>
-    <p:sldLayoutId id="2147483667" r:id="rId7"/>
-    <p:sldLayoutId id="2147483668" r:id="rId8"/>
-    <p:sldLayoutId id="2147483669" r:id="rId9"/>
-    <p:sldLayoutId id="2147483670" r:id="rId10"/>
-    <p:sldLayoutId id="2147483671" r:id="rId11"/>
+    <p:sldLayoutId id="2147483673" r:id="rId1"/>
+    <p:sldLayoutId id="2147483674" r:id="rId2"/>
+    <p:sldLayoutId id="2147483675" r:id="rId3"/>
+    <p:sldLayoutId id="2147483676" r:id="rId4"/>
+    <p:sldLayoutId id="2147483677" r:id="rId5"/>
+    <p:sldLayoutId id="2147483678" r:id="rId6"/>
+    <p:sldLayoutId id="2147483679" r:id="rId7"/>
+    <p:sldLayoutId id="2147483680" r:id="rId8"/>
+    <p:sldLayoutId id="2147483681" r:id="rId9"/>
+    <p:sldLayoutId id="2147483682" r:id="rId10"/>
+    <p:sldLayoutId id="2147483683" r:id="rId11"/>
   </p:sldLayoutIdLst>
   <p:txStyles>
     <p:titleStyle>
@@ -2992,49 +2996,12 @@
           <a:chExt cx="0" cy="0"/>
         </a:xfrm>
       </p:grpSpPr>
-      <p:sp>
-        <p:nvSpPr>
-          <p:cNvPr id="7" name="Title 6">
+      <p:pic>
+        <p:nvPicPr>
+          <p:cNvPr id="5" name="Picture 4" descr="A graph of a graph&#10;&#10;Description automatically generated with medium confidence">
             <a:extLst>
               <a:ext uri="{FF2B5EF4-FFF2-40B4-BE49-F238E27FC236}">
-                <a16:creationId xmlns:a16="http://schemas.microsoft.com/office/drawing/2014/main" id="{DCF1180C-D67F-8A59-FCFE-A4F64F45CBAA}"/>
-              </a:ext>
-            </a:extLst>
-          </p:cNvPr>
-          <p:cNvSpPr>
-            <a:spLocks noGrp="1"/>
-          </p:cNvSpPr>
-          <p:nvPr>
-            <p:ph type="title"/>
-          </p:nvPr>
-        </p:nvSpPr>
-        <p:spPr>
-          <a:xfrm>
-            <a:off x="754380" y="0"/>
-            <a:ext cx="9464040" cy="3534835"/>
-          </a:xfrm>
-        </p:spPr>
-        <p:txBody>
-          <a:bodyPr/>
-          <a:lstStyle/>
-          <a:p>
-            <a:r>
-              <a:rPr lang="en-US" dirty="0" err="1"/>
-              <a:t>Alpha_Y</a:t>
-            </a:r>
-            <a:r>
-              <a:rPr lang="en-US" dirty="0"/>
-              <a:t> = 3456</a:t>
-            </a:r>
-          </a:p>
-        </p:txBody>
-      </p:sp>
-      <p:pic>
-        <p:nvPicPr>
-          <p:cNvPr id="3" name="Picture 2" descr="A graph of a graph&#10;&#10;Description automatically generated with medium confidence">
-            <a:extLst>
-              <a:ext uri="{FF2B5EF4-FFF2-40B4-BE49-F238E27FC236}">
-                <a16:creationId xmlns:a16="http://schemas.microsoft.com/office/drawing/2014/main" id="{D7F86B31-5872-257D-E1EF-89D99AECE160}"/>
+                <a16:creationId xmlns:a16="http://schemas.microsoft.com/office/drawing/2014/main" id="{431F9369-823A-1A06-F3E0-D60CFE905C45}"/>
               </a:ext>
             </a:extLst>
           </p:cNvPr>
@@ -3051,8 +3018,8 @@
         </p:blipFill>
         <p:spPr>
           <a:xfrm>
-            <a:off x="377952" y="2962656"/>
-            <a:ext cx="10216896" cy="15325344"/>
+            <a:off x="0" y="0"/>
+            <a:ext cx="10972800" cy="16459200"/>
           </a:xfrm>
           <a:prstGeom prst="rect">
             <a:avLst/>
@@ -3062,7 +3029,7 @@
     </p:spTree>
     <p:extLst>
       <p:ext uri="{BB962C8B-B14F-4D97-AF65-F5344CB8AC3E}">
-        <p14:creationId xmlns:p14="http://schemas.microsoft.com/office/powerpoint/2010/main" val="4151379149"/>
+        <p14:creationId xmlns:p14="http://schemas.microsoft.com/office/powerpoint/2010/main" val="976682817"/>
       </p:ext>
     </p:extLst>
   </p:cSld>
@@ -3072,18 +3039,12 @@
 </p:sld>
 </file>
 
-<file path=ppt/slides/slide2.xml><?xml version="1.0" encoding="utf-8"?>
+<file path=ppt/slides/slide10.xml><?xml version="1.0" encoding="utf-8"?>
 <p:sld xmlns:a="http://schemas.openxmlformats.org/drawingml/2006/main" xmlns:r="http://schemas.openxmlformats.org/officeDocument/2006/relationships" xmlns:p="http://schemas.openxmlformats.org/presentationml/2006/main">
   <p:cSld>
     <p:spTree>
       <p:nvGrpSpPr>
-        <p:cNvPr id="1" name="">
-          <a:extLst>
-            <a:ext uri="{FF2B5EF4-FFF2-40B4-BE49-F238E27FC236}">
-              <a16:creationId xmlns:a16="http://schemas.microsoft.com/office/drawing/2014/main" id="{4AE7C1C5-8118-0CC9-0A18-57C3C455ED42}"/>
-            </a:ext>
-          </a:extLst>
-        </p:cNvPr>
+        <p:cNvPr id="1" name=""/>
         <p:cNvGrpSpPr/>
         <p:nvPr/>
       </p:nvGrpSpPr>
@@ -3095,49 +3056,12 @@
           <a:chExt cx="0" cy="0"/>
         </a:xfrm>
       </p:grpSpPr>
-      <p:sp>
-        <p:nvSpPr>
-          <p:cNvPr id="7" name="Title 6">
+      <p:pic>
+        <p:nvPicPr>
+          <p:cNvPr id="3" name="Picture 2" descr="A screenshot of a graph&#10;&#10;Description automatically generated">
             <a:extLst>
               <a:ext uri="{FF2B5EF4-FFF2-40B4-BE49-F238E27FC236}">
-                <a16:creationId xmlns:a16="http://schemas.microsoft.com/office/drawing/2014/main" id="{F0D0995F-B8F0-F621-C263-5C10F9A0047D}"/>
-              </a:ext>
-            </a:extLst>
-          </p:cNvPr>
-          <p:cNvSpPr>
-            <a:spLocks noGrp="1"/>
-          </p:cNvSpPr>
-          <p:nvPr>
-            <p:ph type="title"/>
-          </p:nvPr>
-        </p:nvSpPr>
-        <p:spPr>
-          <a:xfrm>
-            <a:off x="754380" y="0"/>
-            <a:ext cx="9464040" cy="3534835"/>
-          </a:xfrm>
-        </p:spPr>
-        <p:txBody>
-          <a:bodyPr/>
-          <a:lstStyle/>
-          <a:p>
-            <a:r>
-              <a:rPr lang="en-US" dirty="0" err="1"/>
-              <a:t>Alpha_Y</a:t>
-            </a:r>
-            <a:r>
-              <a:rPr lang="en-US" dirty="0"/>
-              <a:t> = 1728</a:t>
-            </a:r>
-          </a:p>
-        </p:txBody>
-      </p:sp>
-      <p:pic>
-        <p:nvPicPr>
-          <p:cNvPr id="4" name="Picture 3" descr="A graph of a function&#10;&#10;Description automatically generated with medium confidence">
-            <a:extLst>
-              <a:ext uri="{FF2B5EF4-FFF2-40B4-BE49-F238E27FC236}">
-                <a16:creationId xmlns:a16="http://schemas.microsoft.com/office/drawing/2014/main" id="{9AC58117-C19F-01B9-D7FD-A26D633CCC9D}"/>
+                <a16:creationId xmlns:a16="http://schemas.microsoft.com/office/drawing/2014/main" id="{90B41092-95C6-E19B-9206-8C9836AB6062}"/>
               </a:ext>
             </a:extLst>
           </p:cNvPr>
@@ -3154,8 +3078,8 @@
         </p:blipFill>
         <p:spPr>
           <a:xfrm>
-            <a:off x="377952" y="2962656"/>
-            <a:ext cx="10216896" cy="15325344"/>
+            <a:off x="0" y="0"/>
+            <a:ext cx="10972800" cy="16459200"/>
           </a:xfrm>
           <a:prstGeom prst="rect">
             <a:avLst/>
@@ -3165,7 +3089,7 @@
     </p:spTree>
     <p:extLst>
       <p:ext uri="{BB962C8B-B14F-4D97-AF65-F5344CB8AC3E}">
-        <p14:creationId xmlns:p14="http://schemas.microsoft.com/office/powerpoint/2010/main" val="324119860"/>
+        <p14:creationId xmlns:p14="http://schemas.microsoft.com/office/powerpoint/2010/main" val="2284432378"/>
       </p:ext>
     </p:extLst>
   </p:cSld>
@@ -3175,18 +3099,12 @@
 </p:sld>
 </file>
 
-<file path=ppt/slides/slide3.xml><?xml version="1.0" encoding="utf-8"?>
+<file path=ppt/slides/slide11.xml><?xml version="1.0" encoding="utf-8"?>
 <p:sld xmlns:a="http://schemas.openxmlformats.org/drawingml/2006/main" xmlns:r="http://schemas.openxmlformats.org/officeDocument/2006/relationships" xmlns:p="http://schemas.openxmlformats.org/presentationml/2006/main">
   <p:cSld>
     <p:spTree>
       <p:nvGrpSpPr>
-        <p:cNvPr id="1" name="">
-          <a:extLst>
-            <a:ext uri="{FF2B5EF4-FFF2-40B4-BE49-F238E27FC236}">
-              <a16:creationId xmlns:a16="http://schemas.microsoft.com/office/drawing/2014/main" id="{F4FCFA24-FB57-6D70-DEFB-CF4AEB840D19}"/>
-            </a:ext>
-          </a:extLst>
-        </p:cNvPr>
+        <p:cNvPr id="1" name=""/>
         <p:cNvGrpSpPr/>
         <p:nvPr/>
       </p:nvGrpSpPr>
@@ -3198,49 +3116,12 @@
           <a:chExt cx="0" cy="0"/>
         </a:xfrm>
       </p:grpSpPr>
-      <p:sp>
-        <p:nvSpPr>
-          <p:cNvPr id="7" name="Title 6">
+      <p:pic>
+        <p:nvPicPr>
+          <p:cNvPr id="3" name="Picture 2" descr="A graph of orange lines&#10;&#10;Description automatically generated with medium confidence">
             <a:extLst>
               <a:ext uri="{FF2B5EF4-FFF2-40B4-BE49-F238E27FC236}">
-                <a16:creationId xmlns:a16="http://schemas.microsoft.com/office/drawing/2014/main" id="{102FE1B0-CFC1-538C-3052-84DC3309C5CC}"/>
-              </a:ext>
-            </a:extLst>
-          </p:cNvPr>
-          <p:cNvSpPr>
-            <a:spLocks noGrp="1"/>
-          </p:cNvSpPr>
-          <p:nvPr>
-            <p:ph type="title"/>
-          </p:nvPr>
-        </p:nvSpPr>
-        <p:spPr>
-          <a:xfrm>
-            <a:off x="754380" y="0"/>
-            <a:ext cx="9464040" cy="3534835"/>
-          </a:xfrm>
-        </p:spPr>
-        <p:txBody>
-          <a:bodyPr/>
-          <a:lstStyle/>
-          <a:p>
-            <a:r>
-              <a:rPr lang="en-US" dirty="0" err="1"/>
-              <a:t>Alpha_Y</a:t>
-            </a:r>
-            <a:r>
-              <a:rPr lang="en-US" dirty="0"/>
-              <a:t> = 864</a:t>
-            </a:r>
-          </a:p>
-        </p:txBody>
-      </p:sp>
-      <p:pic>
-        <p:nvPicPr>
-          <p:cNvPr id="4" name="Picture 3" descr="A graph of a graph&#10;&#10;Description automatically generated with medium confidence">
-            <a:extLst>
-              <a:ext uri="{FF2B5EF4-FFF2-40B4-BE49-F238E27FC236}">
-                <a16:creationId xmlns:a16="http://schemas.microsoft.com/office/drawing/2014/main" id="{4FEFD103-AE37-ED8E-2976-8F129335BB1A}"/>
+                <a16:creationId xmlns:a16="http://schemas.microsoft.com/office/drawing/2014/main" id="{DF6084D3-CABA-D254-7B54-097E932CC8F2}"/>
               </a:ext>
             </a:extLst>
           </p:cNvPr>
@@ -3257,8 +3138,8 @@
         </p:blipFill>
         <p:spPr>
           <a:xfrm>
-            <a:off x="377952" y="2962656"/>
-            <a:ext cx="10216896" cy="15325344"/>
+            <a:off x="0" y="0"/>
+            <a:ext cx="10972800" cy="16459200"/>
           </a:xfrm>
           <a:prstGeom prst="rect">
             <a:avLst/>
@@ -3268,7 +3149,7 @@
     </p:spTree>
     <p:extLst>
       <p:ext uri="{BB962C8B-B14F-4D97-AF65-F5344CB8AC3E}">
-        <p14:creationId xmlns:p14="http://schemas.microsoft.com/office/powerpoint/2010/main" val="1980686672"/>
+        <p14:creationId xmlns:p14="http://schemas.microsoft.com/office/powerpoint/2010/main" val="4070099639"/>
       </p:ext>
     </p:extLst>
   </p:cSld>
@@ -3278,18 +3159,12 @@
 </p:sld>
 </file>
 
-<file path=ppt/slides/slide4.xml><?xml version="1.0" encoding="utf-8"?>
+<file path=ppt/slides/slide12.xml><?xml version="1.0" encoding="utf-8"?>
 <p:sld xmlns:a="http://schemas.openxmlformats.org/drawingml/2006/main" xmlns:r="http://schemas.openxmlformats.org/officeDocument/2006/relationships" xmlns:p="http://schemas.openxmlformats.org/presentationml/2006/main">
   <p:cSld>
     <p:spTree>
       <p:nvGrpSpPr>
-        <p:cNvPr id="1" name="">
-          <a:extLst>
-            <a:ext uri="{FF2B5EF4-FFF2-40B4-BE49-F238E27FC236}">
-              <a16:creationId xmlns:a16="http://schemas.microsoft.com/office/drawing/2014/main" id="{01949F2A-6EE9-D19C-911E-D6E47A2D5B4D}"/>
-            </a:ext>
-          </a:extLst>
-        </p:cNvPr>
+        <p:cNvPr id="1" name=""/>
         <p:cNvGrpSpPr/>
         <p:nvPr/>
       </p:nvGrpSpPr>
@@ -3301,49 +3176,12 @@
           <a:chExt cx="0" cy="0"/>
         </a:xfrm>
       </p:grpSpPr>
-      <p:sp>
-        <p:nvSpPr>
-          <p:cNvPr id="7" name="Title 6">
+      <p:pic>
+        <p:nvPicPr>
+          <p:cNvPr id="3" name="Picture 2" descr="A graph of a graph&#10;&#10;Description automatically generated with medium confidence">
             <a:extLst>
               <a:ext uri="{FF2B5EF4-FFF2-40B4-BE49-F238E27FC236}">
-                <a16:creationId xmlns:a16="http://schemas.microsoft.com/office/drawing/2014/main" id="{0AC4BD60-3968-99D9-23BA-A89581864F3E}"/>
-              </a:ext>
-            </a:extLst>
-          </p:cNvPr>
-          <p:cNvSpPr>
-            <a:spLocks noGrp="1"/>
-          </p:cNvSpPr>
-          <p:nvPr>
-            <p:ph type="title"/>
-          </p:nvPr>
-        </p:nvSpPr>
-        <p:spPr>
-          <a:xfrm>
-            <a:off x="754380" y="0"/>
-            <a:ext cx="9464040" cy="3534835"/>
-          </a:xfrm>
-        </p:spPr>
-        <p:txBody>
-          <a:bodyPr/>
-          <a:lstStyle/>
-          <a:p>
-            <a:r>
-              <a:rPr lang="en-US" dirty="0" err="1"/>
-              <a:t>Alpha_Y</a:t>
-            </a:r>
-            <a:r>
-              <a:rPr lang="en-US" dirty="0"/>
-              <a:t> = 432</a:t>
-            </a:r>
-          </a:p>
-        </p:txBody>
-      </p:sp>
-      <p:pic>
-        <p:nvPicPr>
-          <p:cNvPr id="4" name="Picture 3" descr="A graph of a graph&#10;&#10;Description automatically generated">
-            <a:extLst>
-              <a:ext uri="{FF2B5EF4-FFF2-40B4-BE49-F238E27FC236}">
-                <a16:creationId xmlns:a16="http://schemas.microsoft.com/office/drawing/2014/main" id="{1C86C67A-1AEB-2937-024E-2EDB299F2067}"/>
+                <a16:creationId xmlns:a16="http://schemas.microsoft.com/office/drawing/2014/main" id="{B9ED6A19-D63E-BA36-D849-D7A103371FEE}"/>
               </a:ext>
             </a:extLst>
           </p:cNvPr>
@@ -3360,8 +3198,8 @@
         </p:blipFill>
         <p:spPr>
           <a:xfrm>
-            <a:off x="377952" y="2962656"/>
-            <a:ext cx="10216896" cy="15325344"/>
+            <a:off x="0" y="0"/>
+            <a:ext cx="10972800" cy="16459200"/>
           </a:xfrm>
           <a:prstGeom prst="rect">
             <a:avLst/>
@@ -3371,7 +3209,7 @@
     </p:spTree>
     <p:extLst>
       <p:ext uri="{BB962C8B-B14F-4D97-AF65-F5344CB8AC3E}">
-        <p14:creationId xmlns:p14="http://schemas.microsoft.com/office/powerpoint/2010/main" val="298324884"/>
+        <p14:creationId xmlns:p14="http://schemas.microsoft.com/office/powerpoint/2010/main" val="1885770814"/>
       </p:ext>
     </p:extLst>
   </p:cSld>
@@ -3381,18 +3219,12 @@
 </p:sld>
 </file>
 
-<file path=ppt/slides/slide5.xml><?xml version="1.0" encoding="utf-8"?>
+<file path=ppt/slides/slide13.xml><?xml version="1.0" encoding="utf-8"?>
 <p:sld xmlns:a="http://schemas.openxmlformats.org/drawingml/2006/main" xmlns:r="http://schemas.openxmlformats.org/officeDocument/2006/relationships" xmlns:p="http://schemas.openxmlformats.org/presentationml/2006/main">
   <p:cSld>
     <p:spTree>
       <p:nvGrpSpPr>
-        <p:cNvPr id="1" name="">
-          <a:extLst>
-            <a:ext uri="{FF2B5EF4-FFF2-40B4-BE49-F238E27FC236}">
-              <a16:creationId xmlns:a16="http://schemas.microsoft.com/office/drawing/2014/main" id="{18289FA5-4198-6D9B-4063-EC7FFEB27BB5}"/>
-            </a:ext>
-          </a:extLst>
-        </p:cNvPr>
+        <p:cNvPr id="1" name=""/>
         <p:cNvGrpSpPr/>
         <p:nvPr/>
       </p:nvGrpSpPr>
@@ -3404,45 +3236,12 @@
           <a:chExt cx="0" cy="0"/>
         </a:xfrm>
       </p:grpSpPr>
-      <p:sp>
-        <p:nvSpPr>
-          <p:cNvPr id="7" name="Title 6">
+      <p:pic>
+        <p:nvPicPr>
+          <p:cNvPr id="3" name="Picture 2" descr="A graph of a graph&#10;&#10;Description automatically generated with medium confidence">
             <a:extLst>
               <a:ext uri="{FF2B5EF4-FFF2-40B4-BE49-F238E27FC236}">
-                <a16:creationId xmlns:a16="http://schemas.microsoft.com/office/drawing/2014/main" id="{DF7FA4C2-6BB5-0F15-34E1-940CD2218B4A}"/>
-              </a:ext>
-            </a:extLst>
-          </p:cNvPr>
-          <p:cNvSpPr>
-            <a:spLocks noGrp="1"/>
-          </p:cNvSpPr>
-          <p:nvPr>
-            <p:ph type="title"/>
-          </p:nvPr>
-        </p:nvSpPr>
-        <p:spPr>
-          <a:xfrm>
-            <a:off x="754380" y="0"/>
-            <a:ext cx="9464040" cy="3534835"/>
-          </a:xfrm>
-        </p:spPr>
-        <p:txBody>
-          <a:bodyPr/>
-          <a:lstStyle/>
-          <a:p>
-            <a:r>
-              <a:rPr lang="en-US" dirty="0"/>
-              <a:t>Alpha_Y = 216</a:t>
-            </a:r>
-          </a:p>
-        </p:txBody>
-      </p:sp>
-      <p:pic>
-        <p:nvPicPr>
-          <p:cNvPr id="4" name="Picture 3" descr="A graph of a graph&#10;&#10;Description automatically generated with medium confidence">
-            <a:extLst>
-              <a:ext uri="{FF2B5EF4-FFF2-40B4-BE49-F238E27FC236}">
-                <a16:creationId xmlns:a16="http://schemas.microsoft.com/office/drawing/2014/main" id="{C9A128BE-A669-63E0-FB61-358CBFEEE2E1}"/>
+                <a16:creationId xmlns:a16="http://schemas.microsoft.com/office/drawing/2014/main" id="{82016276-FDF3-BD38-C375-0B6696FDA1CA}"/>
               </a:ext>
             </a:extLst>
           </p:cNvPr>
@@ -3459,8 +3258,8 @@
         </p:blipFill>
         <p:spPr>
           <a:xfrm>
-            <a:off x="377952" y="2962656"/>
-            <a:ext cx="10216896" cy="15325344"/>
+            <a:off x="0" y="0"/>
+            <a:ext cx="10972800" cy="16459200"/>
           </a:xfrm>
           <a:prstGeom prst="rect">
             <a:avLst/>
@@ -3470,7 +3269,7 @@
     </p:spTree>
     <p:extLst>
       <p:ext uri="{BB962C8B-B14F-4D97-AF65-F5344CB8AC3E}">
-        <p14:creationId xmlns:p14="http://schemas.microsoft.com/office/powerpoint/2010/main" val="386539980"/>
+        <p14:creationId xmlns:p14="http://schemas.microsoft.com/office/powerpoint/2010/main" val="2518299433"/>
       </p:ext>
     </p:extLst>
   </p:cSld>
@@ -3480,18 +3279,12 @@
 </p:sld>
 </file>
 
-<file path=ppt/slides/slide6.xml><?xml version="1.0" encoding="utf-8"?>
+<file path=ppt/slides/slide2.xml><?xml version="1.0" encoding="utf-8"?>
 <p:sld xmlns:a="http://schemas.openxmlformats.org/drawingml/2006/main" xmlns:r="http://schemas.openxmlformats.org/officeDocument/2006/relationships" xmlns:p="http://schemas.openxmlformats.org/presentationml/2006/main">
   <p:cSld>
     <p:spTree>
       <p:nvGrpSpPr>
-        <p:cNvPr id="1" name="">
-          <a:extLst>
-            <a:ext uri="{FF2B5EF4-FFF2-40B4-BE49-F238E27FC236}">
-              <a16:creationId xmlns:a16="http://schemas.microsoft.com/office/drawing/2014/main" id="{5EF68657-4FCD-7D35-CDCF-75B736972C67}"/>
-            </a:ext>
-          </a:extLst>
-        </p:cNvPr>
+        <p:cNvPr id="1" name=""/>
         <p:cNvGrpSpPr/>
         <p:nvPr/>
       </p:nvGrpSpPr>
@@ -3503,49 +3296,12 @@
           <a:chExt cx="0" cy="0"/>
         </a:xfrm>
       </p:grpSpPr>
-      <p:sp>
-        <p:nvSpPr>
-          <p:cNvPr id="7" name="Title 6">
+      <p:pic>
+        <p:nvPicPr>
+          <p:cNvPr id="3" name="Picture 2" descr="A graph of a graph&#10;&#10;Description automatically generated">
             <a:extLst>
               <a:ext uri="{FF2B5EF4-FFF2-40B4-BE49-F238E27FC236}">
-                <a16:creationId xmlns:a16="http://schemas.microsoft.com/office/drawing/2014/main" id="{3A17C25E-781D-A4EC-D126-9A104369CC07}"/>
-              </a:ext>
-            </a:extLst>
-          </p:cNvPr>
-          <p:cNvSpPr>
-            <a:spLocks noGrp="1"/>
-          </p:cNvSpPr>
-          <p:nvPr>
-            <p:ph type="title"/>
-          </p:nvPr>
-        </p:nvSpPr>
-        <p:spPr>
-          <a:xfrm>
-            <a:off x="754380" y="0"/>
-            <a:ext cx="9464040" cy="3534835"/>
-          </a:xfrm>
-        </p:spPr>
-        <p:txBody>
-          <a:bodyPr/>
-          <a:lstStyle/>
-          <a:p>
-            <a:r>
-              <a:rPr lang="en-US" dirty="0" err="1"/>
-              <a:t>Alpha_Y</a:t>
-            </a:r>
-            <a:r>
-              <a:rPr lang="en-US" dirty="0"/>
-              <a:t> = 108</a:t>
-            </a:r>
-          </a:p>
-        </p:txBody>
-      </p:sp>
-      <p:pic>
-        <p:nvPicPr>
-          <p:cNvPr id="4" name="Picture 3" descr="A graph of a graph&#10;&#10;Description automatically generated">
-            <a:extLst>
-              <a:ext uri="{FF2B5EF4-FFF2-40B4-BE49-F238E27FC236}">
-                <a16:creationId xmlns:a16="http://schemas.microsoft.com/office/drawing/2014/main" id="{7DB46FD6-2A47-10A3-45F2-B848BAF93B2C}"/>
+                <a16:creationId xmlns:a16="http://schemas.microsoft.com/office/drawing/2014/main" id="{E2B62DCE-1CEB-0E16-5740-58D4DBDB5C20}"/>
               </a:ext>
             </a:extLst>
           </p:cNvPr>
@@ -3562,8 +3318,8 @@
         </p:blipFill>
         <p:spPr>
           <a:xfrm>
-            <a:off x="377952" y="2962656"/>
-            <a:ext cx="10216896" cy="15325344"/>
+            <a:off x="0" y="0"/>
+            <a:ext cx="10972800" cy="16459200"/>
           </a:xfrm>
           <a:prstGeom prst="rect">
             <a:avLst/>
@@ -3573,7 +3329,7 @@
     </p:spTree>
     <p:extLst>
       <p:ext uri="{BB962C8B-B14F-4D97-AF65-F5344CB8AC3E}">
-        <p14:creationId xmlns:p14="http://schemas.microsoft.com/office/powerpoint/2010/main" val="1887654429"/>
+        <p14:creationId xmlns:p14="http://schemas.microsoft.com/office/powerpoint/2010/main" val="3735618431"/>
       </p:ext>
     </p:extLst>
   </p:cSld>
@@ -3583,18 +3339,12 @@
 </p:sld>
 </file>
 
-<file path=ppt/slides/slide7.xml><?xml version="1.0" encoding="utf-8"?>
+<file path=ppt/slides/slide3.xml><?xml version="1.0" encoding="utf-8"?>
 <p:sld xmlns:a="http://schemas.openxmlformats.org/drawingml/2006/main" xmlns:r="http://schemas.openxmlformats.org/officeDocument/2006/relationships" xmlns:p="http://schemas.openxmlformats.org/presentationml/2006/main">
   <p:cSld>
     <p:spTree>
       <p:nvGrpSpPr>
-        <p:cNvPr id="1" name="">
-          <a:extLst>
-            <a:ext uri="{FF2B5EF4-FFF2-40B4-BE49-F238E27FC236}">
-              <a16:creationId xmlns:a16="http://schemas.microsoft.com/office/drawing/2014/main" id="{FB8E9FA6-41E7-D5AE-FD56-252E3756B058}"/>
-            </a:ext>
-          </a:extLst>
-        </p:cNvPr>
+        <p:cNvPr id="1" name=""/>
         <p:cNvGrpSpPr/>
         <p:nvPr/>
       </p:nvGrpSpPr>
@@ -3606,45 +3356,12 @@
           <a:chExt cx="0" cy="0"/>
         </a:xfrm>
       </p:grpSpPr>
-      <p:sp>
-        <p:nvSpPr>
-          <p:cNvPr id="7" name="Title 6">
+      <p:pic>
+        <p:nvPicPr>
+          <p:cNvPr id="3" name="Picture 2" descr="A graph of a graph&#10;&#10;Description automatically generated with medium confidence">
             <a:extLst>
               <a:ext uri="{FF2B5EF4-FFF2-40B4-BE49-F238E27FC236}">
-                <a16:creationId xmlns:a16="http://schemas.microsoft.com/office/drawing/2014/main" id="{3A4A1D40-04D0-F7BE-B683-FC133A905BFB}"/>
-              </a:ext>
-            </a:extLst>
-          </p:cNvPr>
-          <p:cNvSpPr>
-            <a:spLocks noGrp="1"/>
-          </p:cNvSpPr>
-          <p:nvPr>
-            <p:ph type="title"/>
-          </p:nvPr>
-        </p:nvSpPr>
-        <p:spPr>
-          <a:xfrm>
-            <a:off x="754380" y="0"/>
-            <a:ext cx="9464040" cy="3534835"/>
-          </a:xfrm>
-        </p:spPr>
-        <p:txBody>
-          <a:bodyPr/>
-          <a:lstStyle/>
-          <a:p>
-            <a:r>
-              <a:rPr lang="en-US" dirty="0"/>
-              <a:t>Alpha_Y = 54</a:t>
-            </a:r>
-          </a:p>
-        </p:txBody>
-      </p:sp>
-      <p:pic>
-        <p:nvPicPr>
-          <p:cNvPr id="4" name="Picture 3" descr="A graph of a graph&#10;&#10;Description automatically generated with medium confidence">
-            <a:extLst>
-              <a:ext uri="{FF2B5EF4-FFF2-40B4-BE49-F238E27FC236}">
-                <a16:creationId xmlns:a16="http://schemas.microsoft.com/office/drawing/2014/main" id="{3DDE4043-4A50-D729-1B23-E40AC50B62F4}"/>
+                <a16:creationId xmlns:a16="http://schemas.microsoft.com/office/drawing/2014/main" id="{BCBFF4DE-5670-B1CF-F395-2E6A1AA11AC6}"/>
               </a:ext>
             </a:extLst>
           </p:cNvPr>
@@ -3661,8 +3378,8 @@
         </p:blipFill>
         <p:spPr>
           <a:xfrm>
-            <a:off x="377952" y="2962656"/>
-            <a:ext cx="10216896" cy="15325344"/>
+            <a:off x="0" y="0"/>
+            <a:ext cx="10972800" cy="16459200"/>
           </a:xfrm>
           <a:prstGeom prst="rect">
             <a:avLst/>
@@ -3672,7 +3389,7 @@
     </p:spTree>
     <p:extLst>
       <p:ext uri="{BB962C8B-B14F-4D97-AF65-F5344CB8AC3E}">
-        <p14:creationId xmlns:p14="http://schemas.microsoft.com/office/powerpoint/2010/main" val="1809882167"/>
+        <p14:creationId xmlns:p14="http://schemas.microsoft.com/office/powerpoint/2010/main" val="3781645508"/>
       </p:ext>
     </p:extLst>
   </p:cSld>
@@ -3682,18 +3399,12 @@
 </p:sld>
 </file>
 
-<file path=ppt/slides/slide8.xml><?xml version="1.0" encoding="utf-8"?>
+<file path=ppt/slides/slide4.xml><?xml version="1.0" encoding="utf-8"?>
 <p:sld xmlns:a="http://schemas.openxmlformats.org/drawingml/2006/main" xmlns:r="http://schemas.openxmlformats.org/officeDocument/2006/relationships" xmlns:p="http://schemas.openxmlformats.org/presentationml/2006/main">
   <p:cSld>
     <p:spTree>
       <p:nvGrpSpPr>
-        <p:cNvPr id="1" name="">
-          <a:extLst>
-            <a:ext uri="{FF2B5EF4-FFF2-40B4-BE49-F238E27FC236}">
-              <a16:creationId xmlns:a16="http://schemas.microsoft.com/office/drawing/2014/main" id="{D25565D9-3F34-4CE0-4889-C3CE6ED537EE}"/>
-            </a:ext>
-          </a:extLst>
-        </p:cNvPr>
+        <p:cNvPr id="1" name=""/>
         <p:cNvGrpSpPr/>
         <p:nvPr/>
       </p:nvGrpSpPr>
@@ -3705,49 +3416,12 @@
           <a:chExt cx="0" cy="0"/>
         </a:xfrm>
       </p:grpSpPr>
-      <p:sp>
-        <p:nvSpPr>
-          <p:cNvPr id="7" name="Title 6">
+      <p:pic>
+        <p:nvPicPr>
+          <p:cNvPr id="3" name="Picture 2" descr="A graph of a graph&#10;&#10;Description automatically generated with medium confidence">
             <a:extLst>
               <a:ext uri="{FF2B5EF4-FFF2-40B4-BE49-F238E27FC236}">
-                <a16:creationId xmlns:a16="http://schemas.microsoft.com/office/drawing/2014/main" id="{949106C5-7781-8D79-32DF-6A5897F9B27C}"/>
-              </a:ext>
-            </a:extLst>
-          </p:cNvPr>
-          <p:cNvSpPr>
-            <a:spLocks noGrp="1"/>
-          </p:cNvSpPr>
-          <p:nvPr>
-            <p:ph type="title"/>
-          </p:nvPr>
-        </p:nvSpPr>
-        <p:spPr>
-          <a:xfrm>
-            <a:off x="754380" y="0"/>
-            <a:ext cx="9464040" cy="3534835"/>
-          </a:xfrm>
-        </p:spPr>
-        <p:txBody>
-          <a:bodyPr/>
-          <a:lstStyle/>
-          <a:p>
-            <a:r>
-              <a:rPr lang="en-US" dirty="0" err="1"/>
-              <a:t>Alpha_Y</a:t>
-            </a:r>
-            <a:r>
-              <a:rPr lang="en-US" dirty="0"/>
-              <a:t> = 27</a:t>
-            </a:r>
-          </a:p>
-        </p:txBody>
-      </p:sp>
-      <p:pic>
-        <p:nvPicPr>
-          <p:cNvPr id="4" name="Picture 3" descr="A graph of a graph&#10;&#10;Description automatically generated with medium confidence">
-            <a:extLst>
-              <a:ext uri="{FF2B5EF4-FFF2-40B4-BE49-F238E27FC236}">
-                <a16:creationId xmlns:a16="http://schemas.microsoft.com/office/drawing/2014/main" id="{A036865B-319F-CACA-A613-BD7697E38364}"/>
+                <a16:creationId xmlns:a16="http://schemas.microsoft.com/office/drawing/2014/main" id="{F6732449-7200-AB90-9A51-886B2BE35366}"/>
               </a:ext>
             </a:extLst>
           </p:cNvPr>
@@ -3764,8 +3438,8 @@
         </p:blipFill>
         <p:spPr>
           <a:xfrm>
-            <a:off x="377952" y="2962656"/>
-            <a:ext cx="10216896" cy="15325344"/>
+            <a:off x="0" y="0"/>
+            <a:ext cx="10972800" cy="16459200"/>
           </a:xfrm>
           <a:prstGeom prst="rect">
             <a:avLst/>
@@ -3775,7 +3449,7 @@
     </p:spTree>
     <p:extLst>
       <p:ext uri="{BB962C8B-B14F-4D97-AF65-F5344CB8AC3E}">
-        <p14:creationId xmlns:p14="http://schemas.microsoft.com/office/powerpoint/2010/main" val="1782744299"/>
+        <p14:creationId xmlns:p14="http://schemas.microsoft.com/office/powerpoint/2010/main" val="774778362"/>
       </p:ext>
     </p:extLst>
   </p:cSld>
@@ -3785,18 +3459,12 @@
 </p:sld>
 </file>
 
-<file path=ppt/slides/slide9.xml><?xml version="1.0" encoding="utf-8"?>
+<file path=ppt/slides/slide5.xml><?xml version="1.0" encoding="utf-8"?>
 <p:sld xmlns:a="http://schemas.openxmlformats.org/drawingml/2006/main" xmlns:r="http://schemas.openxmlformats.org/officeDocument/2006/relationships" xmlns:p="http://schemas.openxmlformats.org/presentationml/2006/main">
   <p:cSld>
     <p:spTree>
       <p:nvGrpSpPr>
-        <p:cNvPr id="1" name="">
-          <a:extLst>
-            <a:ext uri="{FF2B5EF4-FFF2-40B4-BE49-F238E27FC236}">
-              <a16:creationId xmlns:a16="http://schemas.microsoft.com/office/drawing/2014/main" id="{FF5AAB6D-A035-1A62-2FAD-7A3ADF634027}"/>
-            </a:ext>
-          </a:extLst>
-        </p:cNvPr>
+        <p:cNvPr id="1" name=""/>
         <p:cNvGrpSpPr/>
         <p:nvPr/>
       </p:nvGrpSpPr>
@@ -3808,49 +3476,12 @@
           <a:chExt cx="0" cy="0"/>
         </a:xfrm>
       </p:grpSpPr>
-      <p:sp>
-        <p:nvSpPr>
-          <p:cNvPr id="7" name="Title 6">
+      <p:pic>
+        <p:nvPicPr>
+          <p:cNvPr id="3" name="Picture 2" descr="A graph of a graph&#10;&#10;Description automatically generated">
             <a:extLst>
               <a:ext uri="{FF2B5EF4-FFF2-40B4-BE49-F238E27FC236}">
-                <a16:creationId xmlns:a16="http://schemas.microsoft.com/office/drawing/2014/main" id="{44D42672-F1D3-D3F0-F76D-ED8ECB568086}"/>
-              </a:ext>
-            </a:extLst>
-          </p:cNvPr>
-          <p:cNvSpPr>
-            <a:spLocks noGrp="1"/>
-          </p:cNvSpPr>
-          <p:nvPr>
-            <p:ph type="title"/>
-          </p:nvPr>
-        </p:nvSpPr>
-        <p:spPr>
-          <a:xfrm>
-            <a:off x="754380" y="0"/>
-            <a:ext cx="9464040" cy="3534835"/>
-          </a:xfrm>
-        </p:spPr>
-        <p:txBody>
-          <a:bodyPr/>
-          <a:lstStyle/>
-          <a:p>
-            <a:r>
-              <a:rPr lang="en-US" dirty="0" err="1"/>
-              <a:t>Alpha_Y</a:t>
-            </a:r>
-            <a:r>
-              <a:rPr lang="en-US" dirty="0"/>
-              <a:t> = 13.5</a:t>
-            </a:r>
-          </a:p>
-        </p:txBody>
-      </p:sp>
-      <p:pic>
-        <p:nvPicPr>
-          <p:cNvPr id="4" name="Picture 3" descr="A graph of a graph&#10;&#10;Description automatically generated with medium confidence">
-            <a:extLst>
-              <a:ext uri="{FF2B5EF4-FFF2-40B4-BE49-F238E27FC236}">
-                <a16:creationId xmlns:a16="http://schemas.microsoft.com/office/drawing/2014/main" id="{38EF0FEB-2DBF-58D6-86F7-37077A3AE22F}"/>
+                <a16:creationId xmlns:a16="http://schemas.microsoft.com/office/drawing/2014/main" id="{67F3DFF4-963F-3145-5406-9372342605AF}"/>
               </a:ext>
             </a:extLst>
           </p:cNvPr>
@@ -3867,8 +3498,8 @@
         </p:blipFill>
         <p:spPr>
           <a:xfrm>
-            <a:off x="377952" y="2962656"/>
-            <a:ext cx="10216896" cy="15325344"/>
+            <a:off x="0" y="0"/>
+            <a:ext cx="10972800" cy="16459200"/>
           </a:xfrm>
           <a:prstGeom prst="rect">
             <a:avLst/>
@@ -3878,7 +3509,247 @@
     </p:spTree>
     <p:extLst>
       <p:ext uri="{BB962C8B-B14F-4D97-AF65-F5344CB8AC3E}">
-        <p14:creationId xmlns:p14="http://schemas.microsoft.com/office/powerpoint/2010/main" val="200928660"/>
+        <p14:creationId xmlns:p14="http://schemas.microsoft.com/office/powerpoint/2010/main" val="1444405567"/>
+      </p:ext>
+    </p:extLst>
+  </p:cSld>
+  <p:clrMapOvr>
+    <a:masterClrMapping/>
+  </p:clrMapOvr>
+</p:sld>
+</file>
+
+<file path=ppt/slides/slide6.xml><?xml version="1.0" encoding="utf-8"?>
+<p:sld xmlns:a="http://schemas.openxmlformats.org/drawingml/2006/main" xmlns:r="http://schemas.openxmlformats.org/officeDocument/2006/relationships" xmlns:p="http://schemas.openxmlformats.org/presentationml/2006/main">
+  <p:cSld>
+    <p:spTree>
+      <p:nvGrpSpPr>
+        <p:cNvPr id="1" name=""/>
+        <p:cNvGrpSpPr/>
+        <p:nvPr/>
+      </p:nvGrpSpPr>
+      <p:grpSpPr>
+        <a:xfrm>
+          <a:off x="0" y="0"/>
+          <a:ext cx="0" cy="0"/>
+          <a:chOff x="0" y="0"/>
+          <a:chExt cx="0" cy="0"/>
+        </a:xfrm>
+      </p:grpSpPr>
+      <p:pic>
+        <p:nvPicPr>
+          <p:cNvPr id="3" name="Picture 2" descr="A graph of a graph&#10;&#10;Description automatically generated with medium confidence">
+            <a:extLst>
+              <a:ext uri="{FF2B5EF4-FFF2-40B4-BE49-F238E27FC236}">
+                <a16:creationId xmlns:a16="http://schemas.microsoft.com/office/drawing/2014/main" id="{601A9B57-AFC7-569E-04DC-7EE3A155B90E}"/>
+              </a:ext>
+            </a:extLst>
+          </p:cNvPr>
+          <p:cNvPicPr>
+            <a:picLocks noChangeAspect="1"/>
+          </p:cNvPicPr>
+          <p:nvPr/>
+        </p:nvPicPr>
+        <p:blipFill>
+          <a:blip r:embed="rId2"/>
+          <a:stretch>
+            <a:fillRect/>
+          </a:stretch>
+        </p:blipFill>
+        <p:spPr>
+          <a:xfrm>
+            <a:off x="0" y="0"/>
+            <a:ext cx="10972800" cy="16459200"/>
+          </a:xfrm>
+          <a:prstGeom prst="rect">
+            <a:avLst/>
+          </a:prstGeom>
+        </p:spPr>
+      </p:pic>
+    </p:spTree>
+    <p:extLst>
+      <p:ext uri="{BB962C8B-B14F-4D97-AF65-F5344CB8AC3E}">
+        <p14:creationId xmlns:p14="http://schemas.microsoft.com/office/powerpoint/2010/main" val="3734895480"/>
+      </p:ext>
+    </p:extLst>
+  </p:cSld>
+  <p:clrMapOvr>
+    <a:masterClrMapping/>
+  </p:clrMapOvr>
+</p:sld>
+</file>
+
+<file path=ppt/slides/slide7.xml><?xml version="1.0" encoding="utf-8"?>
+<p:sld xmlns:a="http://schemas.openxmlformats.org/drawingml/2006/main" xmlns:r="http://schemas.openxmlformats.org/officeDocument/2006/relationships" xmlns:p="http://schemas.openxmlformats.org/presentationml/2006/main">
+  <p:cSld>
+    <p:spTree>
+      <p:nvGrpSpPr>
+        <p:cNvPr id="1" name=""/>
+        <p:cNvGrpSpPr/>
+        <p:nvPr/>
+      </p:nvGrpSpPr>
+      <p:grpSpPr>
+        <a:xfrm>
+          <a:off x="0" y="0"/>
+          <a:ext cx="0" cy="0"/>
+          <a:chOff x="0" y="0"/>
+          <a:chExt cx="0" cy="0"/>
+        </a:xfrm>
+      </p:grpSpPr>
+      <p:pic>
+        <p:nvPicPr>
+          <p:cNvPr id="3" name="Picture 2" descr="A graph of a graph&#10;&#10;Description automatically generated with medium confidence">
+            <a:extLst>
+              <a:ext uri="{FF2B5EF4-FFF2-40B4-BE49-F238E27FC236}">
+                <a16:creationId xmlns:a16="http://schemas.microsoft.com/office/drawing/2014/main" id="{824CBA53-85D6-3A0B-A035-326DB1FF466A}"/>
+              </a:ext>
+            </a:extLst>
+          </p:cNvPr>
+          <p:cNvPicPr>
+            <a:picLocks noChangeAspect="1"/>
+          </p:cNvPicPr>
+          <p:nvPr/>
+        </p:nvPicPr>
+        <p:blipFill>
+          <a:blip r:embed="rId2"/>
+          <a:stretch>
+            <a:fillRect/>
+          </a:stretch>
+        </p:blipFill>
+        <p:spPr>
+          <a:xfrm>
+            <a:off x="0" y="0"/>
+            <a:ext cx="10972800" cy="16459200"/>
+          </a:xfrm>
+          <a:prstGeom prst="rect">
+            <a:avLst/>
+          </a:prstGeom>
+        </p:spPr>
+      </p:pic>
+    </p:spTree>
+    <p:extLst>
+      <p:ext uri="{BB962C8B-B14F-4D97-AF65-F5344CB8AC3E}">
+        <p14:creationId xmlns:p14="http://schemas.microsoft.com/office/powerpoint/2010/main" val="2855147687"/>
+      </p:ext>
+    </p:extLst>
+  </p:cSld>
+  <p:clrMapOvr>
+    <a:masterClrMapping/>
+  </p:clrMapOvr>
+</p:sld>
+</file>
+
+<file path=ppt/slides/slide8.xml><?xml version="1.0" encoding="utf-8"?>
+<p:sld xmlns:a="http://schemas.openxmlformats.org/drawingml/2006/main" xmlns:r="http://schemas.openxmlformats.org/officeDocument/2006/relationships" xmlns:p="http://schemas.openxmlformats.org/presentationml/2006/main">
+  <p:cSld>
+    <p:spTree>
+      <p:nvGrpSpPr>
+        <p:cNvPr id="1" name=""/>
+        <p:cNvGrpSpPr/>
+        <p:nvPr/>
+      </p:nvGrpSpPr>
+      <p:grpSpPr>
+        <a:xfrm>
+          <a:off x="0" y="0"/>
+          <a:ext cx="0" cy="0"/>
+          <a:chOff x="0" y="0"/>
+          <a:chExt cx="0" cy="0"/>
+        </a:xfrm>
+      </p:grpSpPr>
+      <p:pic>
+        <p:nvPicPr>
+          <p:cNvPr id="3" name="Picture 2" descr="A screenshot of a graph&#10;&#10;Description automatically generated">
+            <a:extLst>
+              <a:ext uri="{FF2B5EF4-FFF2-40B4-BE49-F238E27FC236}">
+                <a16:creationId xmlns:a16="http://schemas.microsoft.com/office/drawing/2014/main" id="{A18D9FBC-C4D9-F3F9-141F-68D1F7103B50}"/>
+              </a:ext>
+            </a:extLst>
+          </p:cNvPr>
+          <p:cNvPicPr>
+            <a:picLocks noChangeAspect="1"/>
+          </p:cNvPicPr>
+          <p:nvPr/>
+        </p:nvPicPr>
+        <p:blipFill>
+          <a:blip r:embed="rId2"/>
+          <a:stretch>
+            <a:fillRect/>
+          </a:stretch>
+        </p:blipFill>
+        <p:spPr>
+          <a:xfrm>
+            <a:off x="0" y="0"/>
+            <a:ext cx="10972800" cy="16459200"/>
+          </a:xfrm>
+          <a:prstGeom prst="rect">
+            <a:avLst/>
+          </a:prstGeom>
+        </p:spPr>
+      </p:pic>
+    </p:spTree>
+    <p:extLst>
+      <p:ext uri="{BB962C8B-B14F-4D97-AF65-F5344CB8AC3E}">
+        <p14:creationId xmlns:p14="http://schemas.microsoft.com/office/powerpoint/2010/main" val="2006096300"/>
+      </p:ext>
+    </p:extLst>
+  </p:cSld>
+  <p:clrMapOvr>
+    <a:masterClrMapping/>
+  </p:clrMapOvr>
+</p:sld>
+</file>
+
+<file path=ppt/slides/slide9.xml><?xml version="1.0" encoding="utf-8"?>
+<p:sld xmlns:a="http://schemas.openxmlformats.org/drawingml/2006/main" xmlns:r="http://schemas.openxmlformats.org/officeDocument/2006/relationships" xmlns:p="http://schemas.openxmlformats.org/presentationml/2006/main">
+  <p:cSld>
+    <p:spTree>
+      <p:nvGrpSpPr>
+        <p:cNvPr id="1" name=""/>
+        <p:cNvGrpSpPr/>
+        <p:nvPr/>
+      </p:nvGrpSpPr>
+      <p:grpSpPr>
+        <a:xfrm>
+          <a:off x="0" y="0"/>
+          <a:ext cx="0" cy="0"/>
+          <a:chOff x="0" y="0"/>
+          <a:chExt cx="0" cy="0"/>
+        </a:xfrm>
+      </p:grpSpPr>
+      <p:pic>
+        <p:nvPicPr>
+          <p:cNvPr id="3" name="Picture 2" descr="A screenshot of a graph&#10;&#10;Description automatically generated">
+            <a:extLst>
+              <a:ext uri="{FF2B5EF4-FFF2-40B4-BE49-F238E27FC236}">
+                <a16:creationId xmlns:a16="http://schemas.microsoft.com/office/drawing/2014/main" id="{310669FE-9FE9-C017-34BF-E216EECD70C9}"/>
+              </a:ext>
+            </a:extLst>
+          </p:cNvPr>
+          <p:cNvPicPr>
+            <a:picLocks noChangeAspect="1"/>
+          </p:cNvPicPr>
+          <p:nvPr/>
+        </p:nvPicPr>
+        <p:blipFill>
+          <a:blip r:embed="rId2"/>
+          <a:stretch>
+            <a:fillRect/>
+          </a:stretch>
+        </p:blipFill>
+        <p:spPr>
+          <a:xfrm>
+            <a:off x="0" y="0"/>
+            <a:ext cx="10972800" cy="16459200"/>
+          </a:xfrm>
+          <a:prstGeom prst="rect">
+            <a:avLst/>
+          </a:prstGeom>
+        </p:spPr>
+      </p:pic>
+    </p:spTree>
+    <p:extLst>
+      <p:ext uri="{BB962C8B-B14F-4D97-AF65-F5344CB8AC3E}">
+        <p14:creationId xmlns:p14="http://schemas.microsoft.com/office/powerpoint/2010/main" val="1334395264"/>
       </p:ext>
     </p:extLst>
   </p:cSld>
